--- a/presentation/FinalPresentation.pptx
+++ b/presentation/FinalPresentation.pptx
@@ -619,16 +619,13 @@
               <a:buFontTx/>
               <a:buNone/>
               <a:tabLst/>
-              <a:defRPr sz="1400" b="0" i="0" u="none" strike="noStrike" kern="1200" spc="0" baseline="0">
+              <a:defRPr>
                 <a:solidFill>
                   <a:prstClr val="black">
                     <a:lumMod val="65000"/>
                     <a:lumOff val="35000"/>
                   </a:prstClr>
                 </a:solidFill>
-                <a:latin typeface="+mn-lt"/>
-                <a:ea typeface="+mn-ea"/>
-                <a:cs typeface="+mn-cs"/>
               </a:defRPr>
             </a:pPr>
             <a:r>
@@ -640,7 +637,7 @@
                   </a:sysClr>
                 </a:solidFill>
               </a:rPr>
-              <a:t>R² = 0.0451</a:t>
+              <a:t>r = 0.37</a:t>
             </a:r>
             <a:r>
               <a:rPr lang="en-US" sz="1400" b="0" i="0" u="none" strike="noStrike" kern="1200" spc="0" baseline="0" dirty="0">
@@ -1185,16 +1182,13 @@
               <a:buFontTx/>
               <a:buNone/>
               <a:tabLst/>
-              <a:defRPr sz="1400" b="0" i="0" u="none" strike="noStrike" kern="1200" spc="0" baseline="0">
+              <a:defRPr>
                 <a:solidFill>
                   <a:prstClr val="black">
                     <a:lumMod val="65000"/>
                     <a:lumOff val="35000"/>
                   </a:prstClr>
                 </a:solidFill>
-                <a:latin typeface="+mn-lt"/>
-                <a:ea typeface="+mn-ea"/>
-                <a:cs typeface="+mn-cs"/>
               </a:defRPr>
             </a:pPr>
             <a:r>
@@ -1206,7 +1200,7 @@
                   </a:sysClr>
                 </a:solidFill>
               </a:rPr>
-              <a:t>R² = 0.1295</a:t>
+              <a:t>r = 0.36 </a:t>
             </a:r>
             <a:r>
               <a:rPr lang="en-US" baseline="0" dirty="0"/>
@@ -3260,16 +3254,13 @@
               <a:buFontTx/>
               <a:buNone/>
               <a:tabLst/>
-              <a:defRPr sz="1400" b="0" i="0" u="none" strike="noStrike" kern="1200" spc="0" baseline="0">
+              <a:defRPr>
                 <a:solidFill>
                   <a:prstClr val="black">
                     <a:lumMod val="65000"/>
                     <a:lumOff val="35000"/>
                   </a:prstClr>
                 </a:solidFill>
-                <a:latin typeface="+mn-lt"/>
-                <a:ea typeface="+mn-ea"/>
-                <a:cs typeface="+mn-cs"/>
               </a:defRPr>
             </a:pPr>
             <a:r>
@@ -3281,7 +3272,7 @@
                   </a:sysClr>
                 </a:solidFill>
               </a:rPr>
-              <a:t>R² = 0.3844</a:t>
+              <a:t>r = 0.62</a:t>
             </a:r>
           </a:p>
         </c:rich>
@@ -3791,7 +3782,7 @@
             </a:pPr>
             <a:r>
               <a:rPr lang="en-US" b="1" dirty="0"/>
-              <a:t>My Supervisor</a:t>
+              <a:t>Employee Experience</a:t>
             </a:r>
           </a:p>
           <a:p>
@@ -3810,16 +3801,13 @@
               <a:buFontTx/>
               <a:buNone/>
               <a:tabLst/>
-              <a:defRPr sz="1400" b="0" i="0" u="none" strike="noStrike" kern="1200" spc="0" baseline="0">
+              <a:defRPr>
                 <a:solidFill>
                   <a:prstClr val="black">
                     <a:lumMod val="65000"/>
                     <a:lumOff val="35000"/>
                   </a:prstClr>
                 </a:solidFill>
-                <a:latin typeface="+mn-lt"/>
-                <a:ea typeface="+mn-ea"/>
-                <a:cs typeface="+mn-cs"/>
               </a:defRPr>
             </a:pPr>
             <a:r>
@@ -3831,7 +3819,7 @@
                   </a:sysClr>
                 </a:solidFill>
               </a:rPr>
-              <a:t>R² = 0.3212</a:t>
+              <a:t>R² = 0.58</a:t>
             </a:r>
           </a:p>
         </c:rich>
@@ -4361,16 +4349,13 @@
               <a:buFontTx/>
               <a:buNone/>
               <a:tabLst/>
-              <a:defRPr sz="1400" b="0" i="0" u="none" strike="noStrike" kern="1200" spc="0" baseline="0">
+              <a:defRPr>
                 <a:solidFill>
                   <a:prstClr val="black">
                     <a:lumMod val="65000"/>
                     <a:lumOff val="35000"/>
                   </a:prstClr>
                 </a:solidFill>
-                <a:latin typeface="+mn-lt"/>
-                <a:ea typeface="+mn-ea"/>
-                <a:cs typeface="+mn-cs"/>
               </a:defRPr>
             </a:pPr>
             <a:r>
@@ -4382,7 +4367,7 @@
                   </a:sysClr>
                 </a:solidFill>
               </a:rPr>
-              <a:t>R² = 0.3874</a:t>
+              <a:t>r = 0.62</a:t>
             </a:r>
           </a:p>
         </c:rich>
@@ -4912,16 +4897,13 @@
               <a:buFontTx/>
               <a:buNone/>
               <a:tabLst/>
-              <a:defRPr sz="1400" b="0" i="0" u="none" strike="noStrike" kern="1200" spc="0" baseline="0">
+              <a:defRPr>
                 <a:solidFill>
                   <a:prstClr val="black">
                     <a:lumMod val="65000"/>
                     <a:lumOff val="35000"/>
                   </a:prstClr>
                 </a:solidFill>
-                <a:latin typeface="+mn-lt"/>
-                <a:ea typeface="+mn-ea"/>
-                <a:cs typeface="+mn-cs"/>
               </a:defRPr>
             </a:pPr>
             <a:r>
@@ -4933,7 +4915,7 @@
                   </a:sysClr>
                 </a:solidFill>
               </a:rPr>
-              <a:t>R² = 0.2368</a:t>
+              <a:t>r = 0.49</a:t>
             </a:r>
             <a:r>
               <a:rPr lang="en-US" baseline="0" dirty="0"/>
@@ -11604,7 +11586,7 @@
           <a:p>
             <a:fld id="{BC742C97-F996-415C-8ED6-726F4D05A94A}" type="datetimeFigureOut">
               <a:rPr lang="en-US" smtClean="0"/>
-              <a:t>3/3/2024</a:t>
+              <a:t>3/5/2024</a:t>
             </a:fld>
             <a:endParaRPr lang="en-US"/>
           </a:p>
@@ -11802,7 +11784,7 @@
           <a:p>
             <a:fld id="{BC742C97-F996-415C-8ED6-726F4D05A94A}" type="datetimeFigureOut">
               <a:rPr lang="en-US" smtClean="0"/>
-              <a:t>3/3/2024</a:t>
+              <a:t>3/5/2024</a:t>
             </a:fld>
             <a:endParaRPr lang="en-US"/>
           </a:p>
@@ -12010,7 +11992,7 @@
           <a:p>
             <a:fld id="{BC742C97-F996-415C-8ED6-726F4D05A94A}" type="datetimeFigureOut">
               <a:rPr lang="en-US" smtClean="0"/>
-              <a:t>3/3/2024</a:t>
+              <a:t>3/5/2024</a:t>
             </a:fld>
             <a:endParaRPr lang="en-US"/>
           </a:p>
@@ -12208,7 +12190,7 @@
           <a:p>
             <a:fld id="{BC742C97-F996-415C-8ED6-726F4D05A94A}" type="datetimeFigureOut">
               <a:rPr lang="en-US" smtClean="0"/>
-              <a:t>3/3/2024</a:t>
+              <a:t>3/5/2024</a:t>
             </a:fld>
             <a:endParaRPr lang="en-US"/>
           </a:p>
@@ -12483,7 +12465,7 @@
           <a:p>
             <a:fld id="{BC742C97-F996-415C-8ED6-726F4D05A94A}" type="datetimeFigureOut">
               <a:rPr lang="en-US" smtClean="0"/>
-              <a:t>3/3/2024</a:t>
+              <a:t>3/5/2024</a:t>
             </a:fld>
             <a:endParaRPr lang="en-US"/>
           </a:p>
@@ -12748,7 +12730,7 @@
           <a:p>
             <a:fld id="{BC742C97-F996-415C-8ED6-726F4D05A94A}" type="datetimeFigureOut">
               <a:rPr lang="en-US" smtClean="0"/>
-              <a:t>3/3/2024</a:t>
+              <a:t>3/5/2024</a:t>
             </a:fld>
             <a:endParaRPr lang="en-US"/>
           </a:p>
@@ -13160,7 +13142,7 @@
           <a:p>
             <a:fld id="{BC742C97-F996-415C-8ED6-726F4D05A94A}" type="datetimeFigureOut">
               <a:rPr lang="en-US" smtClean="0"/>
-              <a:t>3/3/2024</a:t>
+              <a:t>3/5/2024</a:t>
             </a:fld>
             <a:endParaRPr lang="en-US"/>
           </a:p>
@@ -13301,7 +13283,7 @@
           <a:p>
             <a:fld id="{BC742C97-F996-415C-8ED6-726F4D05A94A}" type="datetimeFigureOut">
               <a:rPr lang="en-US" smtClean="0"/>
-              <a:t>3/3/2024</a:t>
+              <a:t>3/5/2024</a:t>
             </a:fld>
             <a:endParaRPr lang="en-US"/>
           </a:p>
@@ -13414,7 +13396,7 @@
           <a:p>
             <a:fld id="{BC742C97-F996-415C-8ED6-726F4D05A94A}" type="datetimeFigureOut">
               <a:rPr lang="en-US" smtClean="0"/>
-              <a:t>3/3/2024</a:t>
+              <a:t>3/5/2024</a:t>
             </a:fld>
             <a:endParaRPr lang="en-US"/>
           </a:p>
@@ -13725,7 +13707,7 @@
           <a:p>
             <a:fld id="{BC742C97-F996-415C-8ED6-726F4D05A94A}" type="datetimeFigureOut">
               <a:rPr lang="en-US" smtClean="0"/>
-              <a:t>3/3/2024</a:t>
+              <a:t>3/5/2024</a:t>
             </a:fld>
             <a:endParaRPr lang="en-US"/>
           </a:p>
@@ -14013,7 +13995,7 @@
           <a:p>
             <a:fld id="{BC742C97-F996-415C-8ED6-726F4D05A94A}" type="datetimeFigureOut">
               <a:rPr lang="en-US" smtClean="0"/>
-              <a:t>3/3/2024</a:t>
+              <a:t>3/5/2024</a:t>
             </a:fld>
             <a:endParaRPr lang="en-US"/>
           </a:p>
@@ -14254,7 +14236,7 @@
           <a:p>
             <a:fld id="{BC742C97-F996-415C-8ED6-726F4D05A94A}" type="datetimeFigureOut">
               <a:rPr lang="en-US" smtClean="0"/>
-              <a:t>3/3/2024</a:t>
+              <a:t>3/5/2024</a:t>
             </a:fld>
             <a:endParaRPr lang="en-US"/>
           </a:p>
@@ -17305,14 +17287,14 @@
           <p:nvPr>
             <p:extLst>
               <p:ext uri="{D42A27DB-BD31-4B8C-83A1-F6EECF244321}">
-                <p14:modId xmlns:p14="http://schemas.microsoft.com/office/powerpoint/2010/main" val="4144457459"/>
+                <p14:modId xmlns:p14="http://schemas.microsoft.com/office/powerpoint/2010/main" val="3039663878"/>
               </p:ext>
             </p:extLst>
           </p:nvPr>
         </p:nvGraphicFramePr>
         <p:xfrm>
-          <a:off x="6199091" y="1092200"/>
-          <a:ext cx="4863354" cy="2743200"/>
+          <a:off x="6199091" y="1106424"/>
+          <a:ext cx="4572000" cy="2743200"/>
         </p:xfrm>
         <a:graphic>
           <a:graphicData uri="http://schemas.openxmlformats.org/drawingml/2006/chart">
@@ -17335,7 +17317,7 @@
           <p:nvPr>
             <p:extLst>
               <p:ext uri="{D42A27DB-BD31-4B8C-83A1-F6EECF244321}">
-                <p14:modId xmlns:p14="http://schemas.microsoft.com/office/powerpoint/2010/main" val="3898053210"/>
+                <p14:modId xmlns:p14="http://schemas.microsoft.com/office/powerpoint/2010/main" val="422007979"/>
               </p:ext>
             </p:extLst>
           </p:nvPr>
@@ -17365,7 +17347,7 @@
           <p:nvPr>
             <p:extLst>
               <p:ext uri="{D42A27DB-BD31-4B8C-83A1-F6EECF244321}">
-                <p14:modId xmlns:p14="http://schemas.microsoft.com/office/powerpoint/2010/main" val="1624552153"/>
+                <p14:modId xmlns:p14="http://schemas.microsoft.com/office/powerpoint/2010/main" val="2842396735"/>
               </p:ext>
             </p:extLst>
           </p:nvPr>
@@ -17506,13 +17488,13 @@
           <p:nvPr>
             <p:extLst>
               <p:ext uri="{D42A27DB-BD31-4B8C-83A1-F6EECF244321}">
-                <p14:modId xmlns:p14="http://schemas.microsoft.com/office/powerpoint/2010/main" val="3081495996"/>
+                <p14:modId xmlns:p14="http://schemas.microsoft.com/office/powerpoint/2010/main" val="1359534224"/>
               </p:ext>
             </p:extLst>
           </p:nvPr>
         </p:nvGraphicFramePr>
         <p:xfrm>
-          <a:off x="838200" y="1193238"/>
+          <a:off x="838200" y="1106424"/>
           <a:ext cx="4572000" cy="2743200"/>
         </p:xfrm>
         <a:graphic>
@@ -17536,13 +17518,13 @@
           <p:nvPr>
             <p:extLst>
               <p:ext uri="{D42A27DB-BD31-4B8C-83A1-F6EECF244321}">
-                <p14:modId xmlns:p14="http://schemas.microsoft.com/office/powerpoint/2010/main" val="1236369700"/>
+                <p14:modId xmlns:p14="http://schemas.microsoft.com/office/powerpoint/2010/main" val="3436584198"/>
               </p:ext>
             </p:extLst>
           </p:nvPr>
         </p:nvGraphicFramePr>
         <p:xfrm>
-          <a:off x="3810000" y="4037476"/>
+          <a:off x="6096000" y="1124712"/>
           <a:ext cx="4572000" cy="2743200"/>
         </p:xfrm>
         <a:graphic>
@@ -17566,13 +17548,13 @@
           <p:nvPr>
             <p:extLst>
               <p:ext uri="{D42A27DB-BD31-4B8C-83A1-F6EECF244321}">
-                <p14:modId xmlns:p14="http://schemas.microsoft.com/office/powerpoint/2010/main" val="2531187350"/>
+                <p14:modId xmlns:p14="http://schemas.microsoft.com/office/powerpoint/2010/main" val="3023893728"/>
               </p:ext>
             </p:extLst>
           </p:nvPr>
         </p:nvGraphicFramePr>
         <p:xfrm>
-          <a:off x="6781802" y="1193238"/>
+          <a:off x="3481939" y="3900424"/>
           <a:ext cx="4572000" cy="2743200"/>
         </p:xfrm>
         <a:graphic>
@@ -18140,14 +18122,14 @@
                 <p:ph idx="1"/>
                 <p:extLst>
                   <p:ext uri="{D42A27DB-BD31-4B8C-83A1-F6EECF244321}">
-                    <p14:modId xmlns:p14="http://schemas.microsoft.com/office/powerpoint/2010/main" val="3994320846"/>
+                    <p14:modId xmlns:p14="http://schemas.microsoft.com/office/powerpoint/2010/main" val="760919781"/>
                   </p:ext>
                 </p:extLst>
               </p:nvPr>
             </p:nvGraphicFramePr>
             <p:xfrm>
-              <a:off x="150125" y="286602"/>
-              <a:ext cx="11818962" cy="6359858"/>
+              <a:off x="272716" y="231006"/>
+              <a:ext cx="11107554" cy="6458552"/>
             </p:xfrm>
             <a:graphic>
               <a:graphicData uri="http://schemas.microsoft.com/office/webextensions/webextension/2010/11">
@@ -18179,8 +18161,8 @@
             </p:blipFill>
             <p:spPr>
               <a:xfrm>
-                <a:off x="150125" y="286602"/>
-                <a:ext cx="11818962" cy="6359858"/>
+                <a:off x="272716" y="231006"/>
+                <a:ext cx="11107554" cy="6458552"/>
               </a:xfrm>
               <a:prstGeom prst="rect">
                 <a:avLst/>
@@ -18237,14 +18219,14 @@
                 <p:ph idx="1"/>
                 <p:extLst>
                   <p:ext uri="{D42A27DB-BD31-4B8C-83A1-F6EECF244321}">
-                    <p14:modId xmlns:p14="http://schemas.microsoft.com/office/powerpoint/2010/main" val="3769456520"/>
+                    <p14:modId xmlns:p14="http://schemas.microsoft.com/office/powerpoint/2010/main" val="2331047125"/>
                   </p:ext>
                 </p:extLst>
               </p:nvPr>
             </p:nvGraphicFramePr>
             <p:xfrm>
-              <a:off x="122830" y="136478"/>
-              <a:ext cx="11859904" cy="6564573"/>
+              <a:off x="199833" y="227666"/>
+              <a:ext cx="11273482" cy="6402668"/>
             </p:xfrm>
             <a:graphic>
               <a:graphicData uri="http://schemas.microsoft.com/office/webextensions/webextension/2010/11">
@@ -18276,8 +18258,8 @@
             </p:blipFill>
             <p:spPr>
               <a:xfrm>
-                <a:off x="122830" y="136478"/>
-                <a:ext cx="11859904" cy="6564573"/>
+                <a:off x="199833" y="227666"/>
+                <a:ext cx="11273482" cy="6402668"/>
               </a:xfrm>
               <a:prstGeom prst="rect">
                 <a:avLst/>
@@ -18316,8 +18298,8 @@
           <a:chExt cx="0" cy="0"/>
         </a:xfrm>
       </p:grpSpPr>
-      <mc:AlternateContent xmlns:mc="http://schemas.openxmlformats.org/markup-compatibility/2006" xmlns:we="http://schemas.microsoft.com/office/webextensions/webextension/2010/11" xmlns:pca="http://schemas.microsoft.com/office/powerpoint/2013/contentapp">
-        <mc:Choice Requires="we pca">
+      <mc:AlternateContent xmlns:mc="http://schemas.openxmlformats.org/markup-compatibility/2006">
+        <mc:Choice xmlns:we="http://schemas.microsoft.com/office/webextensions/webextension/2010/11" xmlns:pca="http://schemas.microsoft.com/office/powerpoint/2013/contentapp" Requires="we pca">
           <p:graphicFrame>
             <p:nvGraphicFramePr>
               <p:cNvPr id="4" name="Content Placeholder 3">
@@ -18334,14 +18316,14 @@
                 <p:ph idx="1"/>
                 <p:extLst>
                   <p:ext uri="{D42A27DB-BD31-4B8C-83A1-F6EECF244321}">
-                    <p14:modId xmlns:p14="http://schemas.microsoft.com/office/powerpoint/2010/main" val="3325234507"/>
+                    <p14:modId xmlns:p14="http://schemas.microsoft.com/office/powerpoint/2010/main" val="3326200557"/>
                   </p:ext>
                 </p:extLst>
               </p:nvPr>
             </p:nvGraphicFramePr>
             <p:xfrm>
-              <a:off x="191069" y="177421"/>
-              <a:ext cx="11818961" cy="6523630"/>
+              <a:off x="268072" y="179540"/>
+              <a:ext cx="11051238" cy="6498920"/>
             </p:xfrm>
             <a:graphic>
               <a:graphicData uri="http://schemas.microsoft.com/office/webextensions/webextension/2010/11">
@@ -18350,7 +18332,7 @@
             </a:graphic>
           </p:graphicFrame>
         </mc:Choice>
-        <mc:Fallback xmlns="">
+        <mc:Fallback>
           <p:pic>
             <p:nvPicPr>
               <p:cNvPr id="4" name="Content Placeholder 3">
@@ -18373,8 +18355,8 @@
             </p:blipFill>
             <p:spPr>
               <a:xfrm>
-                <a:off x="191069" y="177421"/>
-                <a:ext cx="11818961" cy="6523630"/>
+                <a:off x="268072" y="179540"/>
+                <a:ext cx="11051238" cy="6498920"/>
               </a:xfrm>
               <a:prstGeom prst="rect">
                 <a:avLst/>
@@ -18484,8 +18466,12 @@
           <a:p>
             <a:pPr lvl="2"/>
             <a:r>
+              <a:rPr lang="en-US" sz="3000" u="sng" dirty="0"/>
+              <a:t>Highest</a:t>
+            </a:r>
+            <a:r>
               <a:rPr lang="en-US" sz="3000" dirty="0"/>
-              <a:t>Highest: National Science Foundation and the Federal Energy Regulatory Commission.</a:t>
+              <a:t>: National Science Foundation and the Federal Energy Regulatory Commission.</a:t>
             </a:r>
           </a:p>
           <a:p>
@@ -18497,8 +18483,12 @@
           <a:p>
             <a:pPr lvl="2"/>
             <a:r>
+              <a:rPr lang="en-US" sz="3000" u="sng" dirty="0"/>
+              <a:t>Lowest</a:t>
+            </a:r>
+            <a:r>
               <a:rPr lang="en-US" sz="3000" dirty="0"/>
-              <a:t>Lowest: Department of Homeland Security and the Social Security Administration.</a:t>
+              <a:t>: Department of Homeland Security and the Social Security Administration.</a:t>
             </a:r>
           </a:p>
           <a:p>
@@ -18702,7 +18692,7 @@
             <a:pPr lvl="1"/>
             <a:r>
               <a:rPr lang="en-US" sz="3000" dirty="0"/>
-              <a:t>Strong Ratings – Six Categories:</a:t>
+              <a:t>Strong ratings in all six categories:</a:t>
             </a:r>
             <a:br>
               <a:rPr lang="en-US" sz="3000" dirty="0"/>
@@ -18712,8 +18702,12 @@
           <a:p>
             <a:pPr lvl="2"/>
             <a:r>
+              <a:rPr lang="en-US" sz="3000" u="sng" dirty="0"/>
+              <a:t>Glassdoor</a:t>
+            </a:r>
+            <a:r>
               <a:rPr lang="en-US" sz="3000" dirty="0"/>
-              <a:t>Glassdoor: The Federal Energy Regulatory Commission.</a:t>
+              <a:t>: The Federal Energy Regulatory Commission.</a:t>
             </a:r>
             <a:br>
               <a:rPr lang="en-US" sz="3000" dirty="0"/>
@@ -18723,8 +18717,12 @@
           <a:p>
             <a:pPr lvl="2"/>
             <a:r>
+              <a:rPr lang="en-US" sz="3000" u="sng" dirty="0"/>
+              <a:t>Indeed</a:t>
+            </a:r>
+            <a:r>
               <a:rPr lang="en-US" sz="3000" dirty="0"/>
-              <a:t>Indeed: The U.S. Agency for International Development, the National Science Foundation, and the Federal Trade Commission.</a:t>
+              <a:t>: The U.S. Agency for International Development, the National Science Foundation, and the Federal Trade Commission.</a:t>
             </a:r>
           </a:p>
           <a:p>
@@ -18904,7 +18902,18 @@
             <a:pPr lvl="1"/>
             <a:r>
               <a:rPr lang="en-US" sz="3000" dirty="0"/>
-              <a:t>Moderate correlation between FEVS indices and Indeed ratings – namely with the Work-Life Balance rating category. </a:t>
+              <a:t>There was a moderate positive correlation between several FEVS indices and Indeed rating categories. </a:t>
+            </a:r>
+          </a:p>
+          <a:p>
+            <a:pPr lvl="2"/>
+            <a:endParaRPr lang="en-US" sz="1800" dirty="0"/>
+          </a:p>
+          <a:p>
+            <a:pPr lvl="2"/>
+            <a:r>
+              <a:rPr lang="en-US" sz="3000" dirty="0"/>
+              <a:t>Six correlations between FEVS indices and Indeed ratings exceeded .50.</a:t>
             </a:r>
           </a:p>
           <a:p>
@@ -18915,8 +18924,23 @@
             <a:pPr lvl="1"/>
             <a:r>
               <a:rPr lang="en-US" sz="3000" dirty="0"/>
-              <a:t>In contrast, there was almost no correlation between FEVS Indices and Glassdoor ratings.</a:t>
+              <a:t>There was no consistent correlation between FEVS Indices and Glassdoor rating categories.</a:t>
             </a:r>
+          </a:p>
+          <a:p>
+            <a:pPr lvl="1"/>
+            <a:endParaRPr lang="en-US" sz="3000" dirty="0"/>
+          </a:p>
+          <a:p>
+            <a:pPr lvl="2"/>
+            <a:r>
+              <a:rPr lang="en-US" sz="3000" dirty="0"/>
+              <a:t>Zero correlations between FEVS indices and Glassdoor ratings exceeded .50. </a:t>
+            </a:r>
+          </a:p>
+          <a:p>
+            <a:pPr lvl="1"/>
+            <a:endParaRPr lang="en-US" sz="3000" dirty="0"/>
           </a:p>
           <a:p>
             <a:pPr lvl="1"/>
@@ -25501,7 +25525,7 @@
   </we:alternateReferences>
   <we:properties>
     <we:property name="backgroundColor" value="&quot;#FFFFFF&quot;"/>
-    <we:property name="bookmark" value="&quot;H4sIAAAAAAAAA71WW0/bMBT+K8gvvERTc2mT8gYFpElsQxSxhwlNJ/ZpY0jiyHELWdX/vmMn3VYIlE10L2D7XL/vXNIVE7Kucmg+Q4HsiJ0odV+Avj/wmcfK7bcAoyQJ+YyPozjm6Ps8GJKWqoxUZc2OVsyAnqO5kfUCcuuQHr/degzy/BLm9jaDvEaPVahrVUIuf2CrTCKjF7j2GD5WudJgXU4NGLRul6ROd0rF/xBSROBGLnGK3LSvV1gpbbr7kI9wFAR+jDCOgijyo2BANnUrdWnu1ielmcwNxbXHtDl7rDRhWW0oOXfCMOTc53EyTmAwiMZJIgJLm2kqqzOh7OdKSw45c7g01i2MFZuofFG409nW+1QtNMcrnDlRaaRpyFO90EtsDKQ5sjVxdKkVMehEx3MsefPdVc+KMvUw0UiRBTvy17f0snQET1RpQJYdoMAPw3GapJQ2H8SQ8iCClzG/O55PCAQJD677EG2EvZAGDlIty3nedY7rD3e6btOsc8lR275M76jCDkyB1Jf2QGyhtkYEq2pjSqx/Q98+3Wz6LvDYuVaFM+sGpaAILwDyWJsKJeuxrxlqdIZUAiFNR8zHJ2TVncobaGwvLoXXqaPoN5Av3BSS8wtpWuyr9pkMDi8QBIHMZHVoDW7X9Ge9dqYCDPTwVCjhmETXHf1eT8lCqIfS+mw9bmaWkr37YxB/pbfPDrKACI4QPAjjWZyEQsQ+hzh2Y/5qLxl8NKl63Gom5w0HfhBwTNJRFMFQpMNkwHd6qzOo8LmvAcCYI/qAI0xCfyR8HO0cxmOxhJLTSDydxGMtTVagkS6fC5wZ+7+j5F3oPW1oCUp+sPFpxVdynrlAU0564mzZwt+Ote8kXGz7xbGXL6QJRhFp4fO96O1hqU0zRBP07+eePebtLuW++frLxcrzRU0NieIE9CQDbbZbmS6adslJ49r0VOrN55mW5//sA7u7epdNV+rmH9bNjtq6lWmFfZ8ctTB1BRwvocSefUolh1LYEry6U90PJ+aCUFGkZeKNBl16PwEwKQfp6QkAAA==&quot;"/>
+    <we:property name="bookmark" value="&quot;H4sIAAAAAAAAA71WW0/bMBT+K8gve6mm3NqmvEEBaRLbEEXsYULTiX3aGJI4cpzSrOp/37GTbpRe6APsoYrtc/3O+XzcJROyKjNovkGO7JSdK/WUg3468VmPFZtnwAMRIe8Lj49G/ohjH6yWKo1URcVOl8yAnqG5l1UNmXVIhz8fegyy7AZmdjeFrMIeK1FXqoBM/sZWmURG17jqMVyUmdJgXU4MGLRu56ROe0rF/xxSROBGznGC3LSnt1gqbbp9nw9wEAT+EGEUBVHkR4FHNlUrdWm+rU9KU5kZimuXSXO5KDVhWa5LcuWEYci5z4fxKAbPi0ZxLAJbENOUVmdM2c+Ulhwy5nBprFoYSzZWWZ271eXG+UTVmuMtTp2oMNI05Kmq9RwbA0mGbEU1utGKKuhEZzMsePPLdc+KUvU81kiRBTv1Vw90MncFHqvCgCw6QB4AtQ99wAHGoT8QPg72Y+7wnIk5FJwcvwZzpqVJczSS2901To39fkWgvPFYjJ36yd0ulBcN1V3yk7VPK76Vs9QFmnDSE5dzKvNWrI9OwsW2JLeb76QJRlHRwu1W9Jbvz4tJimiC3ZTYYoP3IoW9rfzoem0mZOlZyWKWdVPA3XW3umvz5FldESFRnIMep6CNHTfJI11cy1GyVlqgPm8cTS+kXk+EoPdfebB6WM8kUnt8MWi6Vrf5vWtviXB2WHp+EHCMk0EUQV8k/dhzd/BgUasU6LtRSOtLCMGDcDgdxqEQQ5/DcOi96cvgwiRqse0t8MNwlMQJDUbuDSHhQQRvTpj3uxkHG7gW7hyaR7CyyiRHvYGZ5Ugvn11Qg2gKZA5W2caUWP2Dvrm6X79sxNgrrXJn1j3FOUXYA6jH2lQ8y7wfKVpmO4YVQpquMF9eFas6noTtxqVwuHQU/R6y2r3z5Pxamhb7sj0mg0/XCHRFq1SWn6yB5a39WVMBBnbUKVfCVRIdO3Z7vSALoZ4L67P1uOcG/k3vIxnkAFmVXYRQtalK4HgDBe5ASyihEJZ5BxG7P07MBSEuSpvTkQZden8AtR+mGekJAAA=&quot;"/>
     <we:property name="creatorSessionId" value="&quot;fc4f56a3-7459-4396-af88-9bb3da28a590&quot;"/>
     <we:property name="creatorTenantId" value="&quot;89133879-9218-4fa8-a433-2d0594009529&quot;"/>
     <we:property name="creatorUserId" value="&quot;1003BFFD934BE0AF&quot;"/>
@@ -25531,24 +25555,24 @@
     <we:reference id="WA200003233" version="2.0.0.3" store="WA200003233" storeType="OMEX"/>
   </we:alternateReferences>
   <we:properties>
+    <we:property name="backgroundColor" value="&quot;#FFFFFF&quot;"/>
+    <we:property name="bookmark" value="&quot;H4sIAAAAAAAAA+1abW/bRhL+K4Y+XO8AX7HvL/2WuA5wh/QaREXyoSiM2d2hzIYSBZJyoxr+752l5PObbMvKOWZ8hgFZu1oO55mdmWd2yNNRKtt5Bcv/wBRHP4xe1/WnKTSf9vhofzS7OieMYNYoLw0UyJ1PSQdaVc+7sp61ox9ORx00E+w+lO0CqiyQJn/9bX8EVfUOJnlUQNXi/miOTVvPoCr/xNVi+qlrFni2P8LP86puIIscd9BhFntCy2lMqvDvJd0RYlee4Bhjt5p9j/O66dZj7hiC1aC4CuilCA4dXdOufu3VvH99vmmv2EE966CckQJ5joMJqTAqLzJMCKUg5vmirLr1krA8/DxvCPfpufne9D8mlWSRpLNMezJj8p5lE3fLeV5zQEgndVNGqGhyJS5L+3COXOyP3jT1tJe73qqWVh7OurJb5sGiOcFlB6FCmv6ll8rOyPYfj7HB/jKCksqVxU5H/+o/s6rYtiu79EuqxfTaL3k0rhdNxPdYXAx6Bc5ow941NW1nr8R0eVQ3E5iVf/b7d9SVhOIsa/EBqkXvDXSTtyWBI5wZXp6mC7/7qU401+F3/fJbFo27pp5N7lzyEeFTv+C3M/pYudMlHFvh22jT7ZDuj47rPw4aJCQp23//9HyDX6UTmEWava7Sq6bsjqfYlb0jvcWi62cnkwYncL5bh18ZxZvFbB1bOg/fl5PjXq1xpGvT4cnK6lfvPiyVe01z9smDn+fZuWqKKLnbHv3voE0xlTA7ugbjOkr6H5ESzwSvYWM39c9e3pazSbVOpRe5a5UFRrFatBQpmFaaHhxD0+W0HX6nBJhzFgmoG4q/18s+CfxYNueZlbLO4Yu3PqW35uS5ojsS+/slDlszxnL7vP0FCudsuj+KwXFbEP9bHdEasJ6FLPhO7+vwcxfqz1cdLkvD5K02WioRnZcqJdR3cOlGnvyS5D4+Ruz4dfyvJjiLy6OeYXcItbYqIxnsMlaKeKqJ8hcSveIrgjNf3bLE9gLy1W9bM/8ayJOR/lWTbcH14zqWUO1R+bWgbLLce5Wm5axsu1XRd4m9V96foIMNNptSxZD/Y+8hm+/0I12R6j96mSthLVbnue2GRNKgjN24399xv+4e+X0xuxadjbIxTv9rjcdw0FVcGp0iMwaQM6atiUYaeW8kfQ2yW0HY+7v4x3UYH+vm0z/flgXuvYYq67H3y83UuIGs7yc7aNLNXKPBFsmgAA7BeaZilHbgFvp3HS5C5G97a2WmVBU8rqkE90IKOqU44xNCTvRDN9U7yBZ6Tem1KLv2cc1jJC+EV8F6F4OIEoJiAzfPwaLqFs0jR1gQEpQOmkoCxngKyQk/cLv8BDMqsB8/okAFV2jGI6QkAiSujBu4aX4+yVxX7b2n+8wmj5xwbODK2yIoDSjJgSTa3atKJ3jBGLjgbbAqgnHJ7S5NSWeBBUWqUVL0jpjW3yutPYY5bogQiSYVynoIDIAJJhzfVRYo4Q3V4k774BwSYMa+oBI3HinhC8k1E5ERNzq9q2ZkdkRwUWqkmp5bq8T9mt0ii0fGKF4cuugi0XdI3uwqywQZeAguMUNVUjIJxP3Wv9VijFNBIaMzVGw5pphCd0e2u9IHDEYzpY1lnnzJS24Vc8+wD9guaEDGrJvn3QW8ifNp+0sP1/ZaK+Ky8vwbaGBuAWlYDaEtFB5+8/ICxEvr8sVPh9C23EA4PVVbZjFylwzD4Lj3VIDdcZ69QtWFobLUGSV1MC5wx6JIz42qKwQKn/a4nD9jnr4JcrAkvUnVb5mht8AzoLS3hbYD5+YLBC/E/OKeT0jJG4il5+NCWVOwKCWd6731dCZPIsvc5VCfJP3ZIhrtlVagRbD3t2duPdQHjgK198zFqOhELyIO6THKk7R1fWRRR50Mao0sols3OnZsp6UEShaRoQ9GB7Sc8QFb+KkewbiUQsFt5IF55BwiWDFgM33Nxy9OOCZ45AYZU8yA9PgF7V06EojgJBeBCcGUDDb830d8EZE75QtlLGjHJbIt2tS3WthwZ613QkPwMgrpQxzS47KneyREtCXoZJksMwKV1/z+zvatRtZoCwyasxC59YIj07i7NEycaFQl4RyY5BXlnyFnn6/5qMoBWB1NoaPjAMKzFMPtprnaS3BRsFhYJiX3VrLE2LPrJeB0XtVLxCNyAWxKJId4QFPhIf2C2xZcaUw8clPhDrSD7S7cqfO33GZ4CLABHegeovbAGw8boLx0IF48d1A9ibsIqn+N82zzm7v1omvnEPEdzHDDi6MkDWYp++12r4vuZ08us35bXrBW7y/c+NkPrDUAAA==&quot;"/>
+    <we:property name="creatorSessionId" value="&quot;6733543e-3950-435e-a55e-e3dc9177c62f&quot;"/>
+    <we:property name="creatorTenantId" value="&quot;89133879-9218-4fa8-a433-2d0594009529&quot;"/>
+    <we:property name="creatorUserId" value="&quot;1003BFFD934BE0AF&quot;"/>
+    <we:property name="datasetId" value="&quot;b44af8c5-b9e7-4597-b42e-15423f8a5b59&quot;"/>
+    <we:property name="embedUrl" value="&quot;/reportEmbed?reportId=241a588d-b859-4109-bc61-454e6df312e3&amp;config=eyJjbHVzdGVyVXJsIjoiaHR0cHM6Ly9XQUJJLVVTLUVBU1QtQS1QUklNQVJZLXJlZGlyZWN0LmFuYWx5c2lzLndpbmRvd3MubmV0IiwiZW1iZWRGZWF0dXJlcyI6eyJ1c2FnZU1ldHJpY3NWTmV4dCI6dHJ1ZSwiZGlzYWJsZUFuZ3VsYXJKU0Jvb3RzdHJhcFJlcG9ydEVtYmVkIjp0cnVlfX0%3D&amp;disableSensitivityBanner=true&amp;lrtl=true&quot;"/>
+    <we:property name="initialStateBookmark" value="&quot;H4sIAAAAAAAAA+1bW2/bxhL+K4Ie2lPAJ9j7pW+O4wBtkyawepKHg8LYy1BmQ5ECSblRDf/3zpJyHduSrSqwzbqGAdm7Wg7nm52db2d2fTaOeTMv3PJnN4Px9+OXVfVp5upPIzreG5ervnfvfnq7f/TT8c/7bw+xu5q3eVU24+/Pxq2rp9B+yJuFK5IE7Pz/r3tjVxTv3TS1Mlc0sDeeQ91UpSvyP6AfjF+19QLO98bweV5UtUsiJ61rIYk9xeHYxnfTFxzf6EKbn8IEQtv3HsG8qttVmxoCTksnqPBgOfMGDD7T9N92at49Pr20U+ygKluXl6hA6jMORwaVyWCoc8ySGHzqz/KiXQ3xy8PP8xpxn13Y63X3ZWYCIyHThHNqNSeRkIhqtct5GnOASKdVnQdXYGcvLkn7cIGc7Y1f19Wsk7uamwZHHpZt3i5TY1GfwrJ1vgDs/qWTSs7R9h9PoIbuMYQS895iZ+Mfus+kKjRNb5duSLGYXfsmtSbVog5wBNllo1PgHCfsfV3hdHZKwAznbglwjJMIdQ5lgOM2RyTnSZMPrlh0HoEvepMjQMSaIKZufPjbSVtX5fTbbvCGIR/Bfbp1wNsqYl8L3aBfz/Gjd6kvsGyFca1dt0e7Nz6pfj+oATWJaR72zi4mej+eOhyYpv6qWvvTaQ1TdzE/h4+g8+tFuVpR8joEuhWEOm9PZtDmIbXeQNYOE9hRPj3pVJsEfD4envZOdDjw+ei0TQE1Nd7Nk59XGCT4Y7vbDGLuyuM1UK6jxd8BMJ5O4Ro+chNDWrhNXk6LFUNchuQ+uI1DsWgwAEDstT04cXWb2Mj/hnE9hWIUUNUYDl4uu9j2Kq8vCAOD6eGz5w7BcxMv9GyOon/7gqJXhLjcnpa+UulEFrhIIvXaisiMcSpaQV1gmwn+ARfZ5ASgpdfxvDtNDFiMjvAd5XT0y037r4kOd68sV8erKykJkaAz8JISH6i2jAKR3ebsVlEtfG599fmmNCeizpgSPGqiGAgrqdpdmqJGa2uYdN7ywLj1gQx42t66EmPgDEPh/U5ZFoAaYTOhtJOGciCG7m5kAh43x5wyTxgjgnvt+YCNfLAo2kUN92thwwxhNFAFhAiiHLd98rCbhU2MPqM6UE8sUIw9Tg85+rx3y9E3o5dQQpa3zf0aWsToBM8CAeuV9KApoQM2zY+VH2F+ucB9RbLRSpH7X/E2kCCDjAqkBBIAc1m7uz96CgyktcSEIAQYFuBfv+Ijxx+dBSWtkMJJhvuF3S2cCa0yEjiPBqy21PvI7pTWnLg53JSliYZATVQYqA21VmirN8/W1eKEsjozyMbSK+OpIYE9ueJEAQ6TgeYkn/+NmsSVesKmosPfKVzcc03iJsjBliLWqfpPrkBsgWdA6dsW2g683nCJ4LnM8Oyej1hUWEMsHR9Tp3zMlEgnCgpTJiFc2JKPo4g8i9xoIi0jOuIWjD41Pp4tj6t66sr8j86ZnjApb0C6SxR9xACyEcVwo8i2Kg+c6a7BeKa7Z28dBPFtiuB9tZA6nfFglArKEEHEqhKxBft5JYmQShMrkfk41YKYJ8h+zQIbuPiq+mlz302cg81JN2j7T05Lt4M0rDC4hcLDp+xLEM+E/eynQyDrNYTTn5567qn3JhJFCYkqOvYVx4Q0EOJdNGCCCVGBj/buk90NJW2rPYAzgUvgIlKtBSO7ygJlAfNpxqkkLJDAtZG7ynKCWUV1ZqT1xgAhjtyt1+ZjFg4qZkJb54lzhBG2xTHtBs0EN9oRL4R0jDNrFG6hdpVlGM0QmvE4DVoEp0z8isNNpj0VVmceVQMuLeGgd5fmhDeZJDS4GBm6GxXKbN5ePvjR1Og/7LvHvKzhGXdCerSyJ4RGHw27Zfc9CPM81KUIxWnGrPDamuBZ4M6LId0VWWeaBznYZNRixMAIaZSN4AJodcvx4SDs8pAXECSms8hmzFHnjSUiIIEM3DyPdQkBOScQpRzgbkJqzP+5GtK1gXWm+ljVn/77Js9g9NIVSY/7tRBEq6WSXLBgLO5sIshbjgbWFj6+Jl9ff31ifwplWB53JZMdkDZFHtBkX2LFbKiedpcEUXRfgkA48/6VOTSXkK/+tXUpZwXk0ao4V022Rfnmfy8mL0b9U6Osqkc/lDim7JzbFaNXcApFNU8r9IvaTJ8qRNe6NeabVbEzMHTOsv6lr/CJWP1eJpm9sAaKiyTwhsSmRRdrJ91UT7pxd8jv/qdnJbrbmq1Lav4yzH34ap/GBG9wSy4s1zKRl9O4+dl1g9kJXOfI1aJt5kiO710Ja4yHZnJlTCtmO5PtJW3ylK7d/kD656i/THx+/ieceg5zpzUAAA==&quot;"/>
+    <we:property name="isFiltersActionButtonVisible" value="true"/>
+    <we:property name="isFooterCollapsed" value="true"/>
+    <we:property name="isVisualContainerHeaderHidden" value="false"/>
+    <we:property name="pageDisplayName" value="&quot;Comparison Dashboard - Slide 1&quot;"/>
+    <we:property name="pageName" value="&quot;ReportSection180ea75a414be932b8e8&quot;"/>
     <we:property name="pptInsertionSessionID" value="&quot;D03D9CC8-00CD-4184-9BE7-F628F31861BA&quot;"/>
-    <we:property name="reportUrl" value="&quot;/groups/me/reports/241a588d-b859-4109-bc61-454e6df312e3/ReportSection180ea75a414be932b8e8?bookmarkGuid=8984d0bc-cfec-4b37-b94b-a80bf0faaff4&amp;bookmarkUsage=1&amp;ctid=89133879-9218-4fa8-a433-2d0594009529&amp;fromEntryPoint=export&quot;"/>
+    <we:property name="reportEmbeddedTime" value="&quot;2024-02-29T17:12:41.328Z&quot;"/>
     <we:property name="reportName" value="&quot;federal_employee_interactive_dashboard&quot;"/>
     <we:property name="reportState" value="&quot;CONNECTED&quot;"/>
-    <we:property name="embedUrl" value="&quot;/reportEmbed?reportId=241a588d-b859-4109-bc61-454e6df312e3&amp;config=eyJjbHVzdGVyVXJsIjoiaHR0cHM6Ly9XQUJJLVVTLUVBU1QtQS1QUklNQVJZLXJlZGlyZWN0LmFuYWx5c2lzLndpbmRvd3MubmV0IiwiZW1iZWRGZWF0dXJlcyI6eyJ1c2FnZU1ldHJpY3NWTmV4dCI6dHJ1ZSwiZGlzYWJsZUFuZ3VsYXJKU0Jvb3RzdHJhcFJlcG9ydEVtYmVkIjp0cnVlfX0%3D&amp;disableSensitivityBanner=true&amp;lrtl=true&quot;"/>
-    <we:property name="pageName" value="&quot;ReportSection180ea75a414be932b8e8&quot;"/>
-    <we:property name="pageDisplayName" value="&quot;Comparison Dashboard - Slide 1&quot;"/>
-    <we:property name="datasetId" value="&quot;b44af8c5-b9e7-4597-b42e-15423f8a5b59&quot;"/>
-    <we:property name="backgroundColor" value="&quot;#FFFFFF&quot;"/>
-    <we:property name="bookmark" value="&quot;H4sIAAAAAAAAA+1bbW/bRhL+K4Y+XHuAr9j3l35LXAe4Q3oNoiL5cCiM2d2hzIYiBZJyoxr+7zck5XNsS7aiwDbrMwzI3tVyOM/s7Dw7s+vzScqbRQGrf8McJz9OXlfVpznUnw745HBSXu9zPDNeZFExZkMKLgpjaFS1aPOqbCY/nk9aqGfYfsibJRSdQOr8z2+HEyiKdzDrWhkUDR5OFlg3VQlF/icOg+mrtl7ixeEEPy+KqoZO5LSFFjuxZzSc2qQK/0HSGyG2+RlOMbZD73tcVHW7bnPHEKwGxVVAL0Vw6OiZZvi2V/P+8d1Le8WOqrKFvCQFuj4HNDKaTEfHAYRnKYauP8uLdj0krI4/L2rCfX5pvjf9lxmZi8XMMim5t5IlxhKp1a4W3ZgjQjqr6jxCQZ2DuE7ah0vk4nDypq7mvdz1VDU08rhs83bVNZb1Ga5aCAVS96+9VHZBtv94ijX2jxGUlA8WO5/8s//sVMWmGezSDymW8xvfdK1ptawjvsfsqtErcEET9q6uaDp7JXBOc7dCPKFJxDrHMuJJmxOSi06TD1Ase4+gF73NCSBh7SB23fTwd9O2rsrZd/3gLUM+Iny6c8DPVaK+FvtBv13Qx+BSX2DZCeNGu+6O9nByWv1xVCNpkrp5ODy/nOhX6QxoYDf119V6NZvVOIPL+Tl+Ap3fLMv1itI3IfCdINR5ezrHNo9d6y1m7TiBvc9np71q00jPp+OzwYmORz4fvbZdQO0avyw6P68oSMindrc5phzKkw1QbqKl3xEpns7wBj52G0O3cJu8nBVrhrgKyUNwm8Ri2VAAwDRoe3QKdduxUfid4noXiklAVVM4eL3qY9tPeX1JGBRMj188dwye2/HCwOYk+vcvKHpNiKvdaekble7IghZJ4sF6lYRzYJJXHKLYTvCPuMimp4gtv4nnl7OOAYuD9/SOcnbw6237b4gO968sqNP1ldQJ0WgzDJqzELn1giPT/ebsTlEtfm5D9fm2NFDJZsIomSwzApXX3OwvzXBnrXdCQ/AyCulDZCOetp+hpBg4p1D4sFOWReRO+UwZC9pxiczx/Y3MMNDmWHIRmBBMyWCDHLGRj5ZFu6zxYS3shGOCR26QMcUMSD8kD/tZ2KUUMm4jD8wjp9gDdszR5x2sDv528BpLzPK2eVhDq5RAySwy9MHogJYzPmLT/KsKB5RfLmlf0dlorcjDr3gfWdRRJ4NaI4tIuazf3x8DR4Hae+ZiVAqdiPh/v+KTpB+bRaO90gq0oP3C/hbOlDUZi1Imh956HkIS90prTmGBt2VZZjFylwwFase9V9bb7bN1vThhvM0csbEOxgXuWBTPrjhRIFAy0Jzmi6+oSVyrJ2wrOnxN4eKBaxK3QY62FLFJ1b9yBWIHPCNK33bQduT1hisEL2WGF/d8wqLCBmLp+ZiDCSkzqjtRMJQyKQVxRz5OKsksSWeZ9oLZRFsw/tz4eL46qeoZlPmfvTM9Y1LegnSfKPqEAWQrivFGkV1VHjnT3YDxQncv3joK4tsWwYdqIQebyeiMicYxxdS6ErED+wWjmdLGMq+J+SS3irlnyH7Nkhq0+Kr6eXPfbZyjzUm3aPtXTkt3gzSuMLiDwuOn7CsQL4T94qdjIOsNhDOcngYZeAguMcMZSyaB+IZjQh4ZC5AcuuhiMhiSv/9kd0tJ29uACC5KjVIlbq0SbF9ZaDxSPi0k10xEFqV1el9ZoIQ33GZO++AcMgbsfr22H7NINClT1kNgAEwwscMx7RbNlHQWWFBKg5DCO0NbqH1lOcEzguYCTYNVEYxL33C4KWzgytsskGootWcS7f7SQAWXacYjpCTI3bgybvv28tGPpg6+F39/yssaQUhQOpCVA2M8heTEHbvvUZjnsS5FGMkz4VWw3sUgooSgxnRXZJNpHuVgU3BPEYMipDM+IUS05o7jw1HY5TEvIGhKZ4nNBHAIzjMViUBGbp6nuoRAnBOZMYC0m9CW8n9pxnRtYJOpPlb1p3+8zTM8eA1Fp8fDWgiTt9poqUR0nnY2CfUdRwMbCx/fkq9vvj7xaoZlXJ30JZM9kDZFHslkX2KlbKie9ZcESfRQgiA4i+GVOTZXkK//tXMpZw3kyao41022Q/lmWsUciqtV+SrN8zJv2uEfXr4oyAz5QYIWNthsXqXeqth7yOY3/URPpOqPXuYgrMHiMvO7JZE0yGM77ed32o+7R37/jzxr0f1+bFMm8z9rPISDDrlLDI724cpLqzvGAks7nn13lb3ATd5bLdtmQYz4DkrcYDwyE5SpWya7meyw0ybvcrSvsfHFxX8Bfmj5Vaw1AAA=&quot;"/>
-    <we:property name="initialStateBookmark" value="&quot;H4sIAAAAAAAAA+1bW2/bxhL+K4Ie2lPAJ9j7pW+O4wBtkyawepKHg8LYy1BmQ5ECSblRDf/3zpJyHduSrSqwzbqGAdm7Wg7nm52db2d2fTaOeTMv3PJnN4Px9+OXVfVp5upPIzreG5ervnfvfnq7f/TT8c/7bw+xu5q3eVU24+/Pxq2rp9B+yJuFK5IE7Pz/r3tjVxTv3TS1Mlc0sDeeQ91UpSvyP6AfjF+19QLO98bweV5UtUsiJ61rIYk9xeHYxnfTFxzf6EKbn8IEQtv3HsG8qttVmxoCTksnqPBgOfMGDD7T9N92at49Pr20U+ygKluXl6hA6jMORwaVyWCoc8ySGHzqz/KiXQ3xy8PP8xpxn13Y63X3ZWYCIyHThHNqNSeRkIhqtct5GnOASKdVnQdXYGcvLkn7cIGc7Y1f19Wsk7uamwZHHpZt3i5TY1GfwrJ1vgDs/qWTSs7R9h9PoIbuMYQS895iZ+Mfus+kKjRNb5duSLGYXfsmtSbVog5wBNllo1PgHCfsfV3hdHZKwAznbglwjJMIdQ5lgOM2RyTnSZMPrlh0HoEvepMjQMSaIKZufPjbSVtX5fTbbvCGIR/Bfbp1wNsqYl8L3aBfz/Gjd6kvsGyFca1dt0e7Nz6pfj+oATWJaR72zi4mej+eOhyYpv6qWvvTaQ1TdzE/h4+g8+tFuVpR8joEuhWEOm9PZtDmIbXeQNYOE9hRPj3pVJsEfD4envZOdDjw+ei0TQE1Nd7Nk59XGCT4Y7vbDGLuyuM1UK6jxd8BMJ5O4Ro+chNDWrhNXk6LFUNchuQ+uI1DsWgwAEDstT04cXWb2Mj/hnE9hWIUUNUYDl4uu9j2Kq8vCAOD6eGz5w7BcxMv9GyOon/7gqJXhLjcnpa+UulEFrhIIvXaisiMcSpaQV1gmwn+ARfZ5ASgpdfxvDtNDFiMjvAd5XT0y037r4kOd68sV8erKykJkaAz8JISH6i2jAKR3ebsVlEtfG599fmmNCeizpgSPGqiGAgrqdpdmqJGa2uYdN7ywLj1gQx42t66EmPgDEPh/U5ZFoAaYTOhtJOGciCG7m5kAh43x5wyTxgjgnvt+YCNfLAo2kUN92thwwxhNFAFhAiiHLd98rCbhU2MPqM6UE8sUIw9Tg85+rx3y9E3o5dQQpa3zf0aWsToBM8CAeuV9KApoQM2zY+VH2F+ucB9RbLRSpH7X/E2kCCDjAqkBBIAc1m7uz96CgyktcSEIAQYFuBfv+Ijxx+dBSWtkMJJhvuF3S2cCa0yEjiPBqy21PvI7pTWnLg53JSliYZATVQYqA21VmirN8/W1eKEsjozyMbSK+OpIYE9ueJEAQ6TgeYkn/+NmsSVesKmosPfKVzcc03iJsjBliLWqfpPrkBsgWdA6dsW2g683nCJ4LnM8Oyej1hUWEMsHR9Tp3zMlEgnCgpTJiFc2JKPo4g8i9xoIi0jOuIWjD41Pp4tj6t66sr8j86ZnjApb0C6SxR9xACyEcVwo8i2Kg+c6a7BeKa7Z28dBPFtiuB9tZA6nfFglArKEEHEqhKxBft5JYmQShMrkfk41YKYJ8h+zQIbuPiq+mlz302cg81JN2j7T05Lt4M0rDC4hcLDp+xLEM+E/eynQyDrNYTTn5567qn3JhJFCYkqOvYVx4Q0EOJdNGCCCVGBj/buk90NJW2rPYAzgUvgIlKtBSO7ygJlAfNpxqkkLJDAtZG7ynKCWUV1ZqT1xgAhjtyt1+ZjFg4qZkJb54lzhBG2xTHtBs0EN9oRL4R0jDNrFG6hdpVlGM0QmvE4DVoEp0z8isNNpj0VVmceVQMuLeGgd5fmhDeZJDS4GBm6GxXKbN5ePvjR1Og/7LvHvKzhGXdCerSyJ4RGHw27Zfc9CPM81KUIxWnGrPDamuBZ4M6LId0VWWeaBznYZNRixMAIaZSN4AJodcvx4SDs8pAXECSms8hmzFHnjSUiIIEM3DyPdQkBOScQpRzgbkJqzP+5GtK1gXWm+ljVn/77Js9g9NIVSY/7tRBEq6WSXLBgLO5sIshbjgbWFj6+Jl9ff31ifwplWB53JZMdkDZFHtBkX2LFbKiedpcEUXRfgkA48/6VOTSXkK/+tXUpZwXk0ao4V022Rfnmfy8mL0b9U6Osqkc/lDim7JzbFaNXcApFNU8r9IvaTJ8qRNe6NeabVbEzMHTOsv6lr/CJWP1eJpm9sAaKiyTwhsSmRRdrJ91UT7pxd8jv/qdnJbrbmq1Lav4yzH34ap/GBG9wSy4s1zKRl9O4+dl1g9kJXOfI1aJt5kiO710Ja4yHZnJlTCtmO5PtJW3ylK7d/kD656i/THx+/ieceg5zpzUAAA==&quot;"/>
-    <we:property name="isFooterCollapsed" value="true"/>
-    <we:property name="isFiltersActionButtonVisible" value="true"/>
-    <we:property name="isVisualContainerHeaderHidden" value="false"/>
-    <we:property name="reportEmbeddedTime" value="&quot;2024-02-29T17:12:41.328Z&quot;"/>
-    <we:property name="creatorTenantId" value="&quot;89133879-9218-4fa8-a433-2d0594009529&quot;"/>
-    <we:property name="creatorUserId" value="&quot;1003BFFD934BE0AF&quot;"/>
-    <we:property name="creatorSessionId" value="&quot;6733543e-3950-435e-a55e-e3dc9177c62f&quot;"/>
+    <we:property name="reportUrl" value="&quot;/groups/me/reports/241a588d-b859-4109-bc61-454e6df312e3/ReportSection180ea75a414be932b8e8?bookmarkGuid=8984d0bc-cfec-4b37-b94b-a80bf0faaff4&amp;bookmarkUsage=1&amp;ctid=89133879-9218-4fa8-a433-2d0594009529&amp;fromEntryPoint=export&quot;"/>
   </we:properties>
   <we:bindings/>
   <we:snapshot xmlns:r="http://schemas.openxmlformats.org/officeDocument/2006/relationships" r:embed="rId1"/>
@@ -25562,24 +25586,24 @@
     <we:reference id="WA200003233" version="2.0.0.3" store="WA200003233" storeType="OMEX"/>
   </we:alternateReferences>
   <we:properties>
+    <we:property name="backgroundColor" value="&quot;#FFFFFF&quot;"/>
+    <we:property name="bookmark" value="&quot;H4sIAAAAAAAAA+1bW2/byBX+K4Yeui3gFnO/5C3xOkCLbDeIF8lDERhnZg5lrilRICknWkP/vYek3Fq2JCtObTOuAQEih8Mz5/vmXObGy1HK61kBi3/CBEevRm/K8nwC1fkBHx2OputlSnLLAKxQFpjXljGtqVY5a/JyWo9eXY4aqMbYfMzrORStQCr81+fDERTFexi3dxkUNR6OZljV5RSK/A/sK9Ojpprj8nCEX2dFWUEr8qSBBluxF1Sd7kkV/jdJLUJs8gs8wdj0pR9wVlbN6h4xQ5cya7yQKTDmWVT0Tt0/7dS8uz5VyvKioXbby7A4/jqrCMvlFSVvu4dSxsijdd4BY8o7l0RLW7OYtXWOSPtxWeURilGHq8K6h3E5OiqL+aS7Ol4rPynnVcQPmHWPpk3eLEhSPa8ucNFAKHC0JI7eVyUx2D16PcZpXJx2vdc+Oiu/HFVILafRK778TCUXHcFH5bSBfLoCZCXpKxOTwdNftNpJti9mpVTizEaP1lmL3nO7DXMvrpX28aoHxeHobVVOOrkrk6up5kaoh6PfOqlsSTb06Qwr7F4jKClvVoT9/QaJ9arKHvT2N50CN0hNmJ82OWm+bFv+CMW8s2QS/C4nQISthdQWU+WffikTlTX4U1d9S6WTpiqn451VPiGcdxU+L5ddzz2QyVxDt24vbHl4edWRr9MFTCOV3lTj9Xhc4Riu+D9+BB3fzqcrT9e3TXwflau8OZtgk8f27h1mzTCAfMjHZ50qJ5Hqp+OL3iCOB8Z3p10byNubX2etrZfk1PKpzWeCKYfpKal+Ew39R6R4N8YbeNhtnVtHq/PpuFhloi7fdFd98BnFYl6Ts2LqtTs6g6pps174nfJHGypJQFlRCHiz6GLPz3l1lZgo2B2/WOJjWGIbp/tRAYn6/VqqXyWkxf5p4RuVbIM1tc0MM9ZpqQCYNQaN2pFQH9FJTs4QG35T/18v2uxTHHygNqbjg99u873Bu+/2FKjSume0QqRUMaHwUhtlgw9KONO+ulNUg1+bUH69Lc2RlGBZQG204J45BeL+0hKHLEmjUwLulLKkYBxwt/0CU4ppEwptD9tlnuiVxjHNGONGJG1tuj/JIigExSPzVpmkDHfMDJjko3nRzCt8WIZDppnJuLQKjHNEccRwf4a5FFYER6HHMfpZI/v+GijD72Fx8KeDNzjFLG/qBzZlj0pmwurEEBG8YnzH7O7JqflHGQ5oXjqncULL0UqRh/d4i9KZEJTiTAhB/hrgO+wxyyLDkJJgiVkmvA0BB0z6o3i8jiYAIOUaZEmjMyx9R0y1DJWjAO29Z5GzIHz0d0qrz2CGG1zEZQIzEiXQgAxRRyu299baYoDzmeZegTaAUVG6UHrrAsiPuhgwWZx+KavzUzJKrHIkE33GawPbwQ52qWCXyj/yysE34BrQ9O0btB74usJtJC/LDC9mO6BFiB2JqZ8VMK8wZlZxxZhwOtDka8+8LoyWmUGuuEsWYrKc5uzPNK/Pp3nzf5DRr8McfC5fV/Y5ZPGdiAYYCHfq+4Nk7hbDS85+MdKB5Om1RNNlaBW4tN4x4X2SFoNzYRi7BrvR1HO6IUcoq/1j9PrwgmdSGq/AAxrULHJ4dmcIWp6oL+oMOl6e9whjE9IhDzI26/uDjzP2AjWsKL6XysMfbVyH8TLgeLHWoQw7Niag1ca3sDZYSy7CtfM+SuZawffcf0w+gUEhrUkyqhQY3r3Fv3U3ghujNSllA/CUjO6PJt5HljYyAx0dymSEYjZ5VPeVZYx0KomUZLI+cmWSvnvHZStjmlvMMhtpFBRRcslwj/3fLZrZqBNXEBVYmxxwFeHee0EAJgtK+QiceJcxANzN/naUlikbDXNoJHjJhEvfIc2blFntGFPBGs8FszikXcWDP4u/POU5G54pn1ALEEEKho4rNaRDAJvoeazzLNwEJaXnDL12McTEnBs4NY+yJ22UijJ4aUAbp4HmnzB0Xh7z7Ihhpj3Yz6Rsj0N5rj3bsTE+CHqe6vyIthR+lItMGMV0Eszg0IPPp7I6/+u7PMODN1C0ejwsQ5B1OTDRMElFtDqAutuY/nefkGw++bLr65E9kNZFHomy61hpVlSNu7RMovslCYIz65vMsf4v5PWrvRd3VkCebF1nnbI9lnN+xhnN0joXLLOD12PqzT62X1ub6ScHCRrYQNekTB2h2BnHlkbojVR+mbYye2E1FldTv1sS64aUaE66rj3p6t0hv/tsayW6M+ZN05j/EPEQttlPW4QLIMl7QGndni0TEO89oOwEbjLcct7UM4j4Hqa4gTyiCaapD2/7UNZ9gZW3E7Rv4Xi5/DexFycqmjcAAA==&quot;"/>
+    <we:property name="creatorSessionId" value="&quot;3d7db658-111f-4fdf-82bc-d399db0a5fbc&quot;"/>
+    <we:property name="creatorTenantId" value="&quot;89133879-9218-4fa8-a433-2d0594009529&quot;"/>
+    <we:property name="creatorUserId" value="&quot;1003BFFD934BE0AF&quot;"/>
+    <we:property name="datasetId" value="&quot;b44af8c5-b9e7-4597-b42e-15423f8a5b59&quot;"/>
+    <we:property name="embedUrl" value="&quot;/reportEmbed?reportId=241a588d-b859-4109-bc61-454e6df312e3&amp;config=eyJjbHVzdGVyVXJsIjoiaHR0cHM6Ly9XQUJJLVVTLUVBU1QtQS1QUklNQVJZLXJlZGlyZWN0LmFuYWx5c2lzLndpbmRvd3MubmV0IiwiZW1iZWRGZWF0dXJlcyI6eyJ1c2FnZU1ldHJpY3NWTmV4dCI6dHJ1ZSwiZGlzYWJsZUFuZ3VsYXJKU0Jvb3RzdHJhcFJlcG9ydEVtYmVkIjp0cnVlfX0%3D&amp;disableSensitivityBanner=true&amp;lrtl=true&quot;"/>
+    <we:property name="initialStateBookmark" value="&quot;H4sIAAAAAAAAA+1bWW/bSBL+K4IednYBb9D3kTfHcYDZSSaBPZs8DAKjj6LMMU0KJOVEa+i/bzUpz1i2LCvO2ma8BgSIbDar6/u6jr54Po55My3c/Fd3CuOX41dVdXLq6pMRHe+My2XZ+/e/vNs9+OXo1913+1hcTdu8Kpvxy/Nx6+oJtB/zZuaKJAELf/+8M3ZF8cFN0l3migZ2xlOom6p0Rf4f6Cvjo7aewWJnDF+nRVW7JPKwdS0ksWdYHe+xbfqCY4sutPkZHEJo+9IDmFZ1u7wHyMDETCvLePSEWBIEvtP0Tzs1b6+PlbK8aLHddOnn+1+nNWI5v+DgTfeQ8xBo0MYaR4iwxkSWeGrn01RnD7WfVHUeXDHucNXQ9DDOx3tVMTvtrvZXyg+rWR3gALLuUdnm7RwlNbP6DOat8wWMF8jRh7pCBrtHuxMow/yo66706Lj6slcDthzHL+niM5acdQTvVWXr8nIJSHPUl0fCvcW/oKXhZFvMQohIiQ4WtNEarKX6Jsy9uCTt40UPsp3xm7o67eQubazBmmuh7ox/66SSBdrQp2OooXsNocS8XRL28xUSm2WVLejtbzoFrpAaIT9qc9R8kVr+6IpZZ8ko+G2OgBBbgpSKsfJP76qIZS381FW/odJhW1flZGOVT+BOugqfF4uu5+7JZC6hW7UXstg5v+jI3XjmyoClV9XYnUxqmLgL/vcfQMc3s3Lp6fK6iW+jcp23x6fQ5iHdvYWsHQaQg3xy3KlyGLB+3D/rDWJ/YHx32qVAnm7eT5OtV+jU/LHN5xRi7sojVP0qGvwPgPFuAlfwkOs6J0dr8nJSLDNRl2+6qz74jEMxa9BZIfba7R27uk1Zz/+B+SOFShRQ1RgCXs272PM6ry8SEwa7/WdLfAhLTHG6HxWgqD8upfplQppvnxa+UckUrLFtoojSRnLhHNFKgRIbEuoDOsnhMUBLr+r//ixln2J0gG2Uk9Fv1/le4923e4qr46pnJCGcixCBWS6V0N56wYxKr24U1cLX1ldfr0szKMVr4kEqyaglRjh2d2mRuixyJWN01AihUcEw4G5750qMaacY2u63yyzSy5UhkhBCFYtS63h3kpkX4AQNxGqholDUEDVgkvdmRTur4X4Z9pkkKqNcC6eMQYoD+LszTDnTzBsMPYbgTyve99dAGf7g5qO/jV5BCVneNvdsyhYEz5iWkQCAs4LQDbO7R6fmX5Uf4bx0huOExNFSkfv3eA3cKO+FoIQxhv7q3XfYY5YFAj5GRiLRhFntPQyY9AfxeBmUdw4w1wCJEowi8TtiqiYgDAZoay0JlHhmg71VWnPsprDGRUzGIENRDJTjPsig2c29tbIYYGwmqRVOKgdBYLoQ8sYFkB91MeB0fvSlqk+O0CihzgFN9AmvDdwMdrBLBZtU/pFXDr4B14Cmb9+g9cDXFa4jeV5meDbbAS1CbEhM/ayAWAEh04IKQpiRHidfW+Z1piTPFFBBTdQuRE1xzv5E8/qszNv/g4x+Gebgc/mqsk8hi29ENMBAuFHfHyRzJwzPOfvZSAeSp1cSTZehhadcW0OYtZFr8Mb4YewabEbTzPAGHaGqt4/Rq8MLmnGurHDWgQJJAnVP7gxB4gn7oslcx8vTHmGsQzrkQcZ6fX/wccZWoIYVxbdSefijjcswngccz9Y6lGHH2gS03PhmWnut0UWoNNYGTkwSfMf9x2ijU8C4VpEHET2B27f4b9yNoEpJiUpp72iMSvZHE+8iSyqeORkM8KiYIDpaEHeVpRQ3IrIYedQ2UKGivH3H5UbGJNWQZTrgKCgAp5zAFvu/N2img4xUuCCc1tE4KoK7816QcyrzQtjgKPLOg3fudvZvRqmJ0EERA4o7ywkz8TukWRUzLQ0hwmtlKSMahrSrOPo7+8djnrOhmbARJHPMc0bAUCGGdAhgHT0PdZ6FKi84t5SAlSb4EIkxA6fmQfaklRCBe8uVk8pIh/NPN3ReHvLsiCIqHewnnKfjUJZKSzZsjA+Cnsc6PyI1hh9hAmFKEBkZUTD04POpqk/++TbPYPTKFUmP+2XIZV0OjDhMEgG09E7cbkz/u09I1p982fT1yBZImyIPSNllrDgrqiddWkbR/ZIEwpn2TebQ/AV59WrrxZ0lkEdb11mlbIvlnH+/OHwx6t8aZVU9+rnEOmVn3K4YvYYzKKpp8tBLazX9ZCG61q2h77SKHcHQGcv6Rl/jG7H6UiaZvbAGioup4DWJTYsm1h52XX3Y1btFfvcZ11J0Z9zrpjV/EnMfttpPY5jxjqM3OSFlOmvGXLjzALMTuM6Qq1nbTF2AD66ENeQhTa6MfbjbhrLui6w8Tdg2v5C+h/uT4sXivy0O8xmaNwAA&quot;"/>
+    <we:property name="isFiltersActionButtonVisible" value="true"/>
+    <we:property name="isFooterCollapsed" value="true"/>
+    <we:property name="isVisualContainerHeaderHidden" value="false"/>
+    <we:property name="pageDisplayName" value="&quot;Comparison Dashboard - Slide 2&quot;"/>
+    <we:property name="pageName" value="&quot;ReportSectioneefe8df76923db0090c4&quot;"/>
     <we:property name="pptInsertionSessionID" value="&quot;D03D9CC8-00CD-4184-9BE7-F628F31861BA&quot;"/>
-    <we:property name="reportUrl" value="&quot;/groups/me/reports/241a588d-b859-4109-bc61-454e6df312e3/ReportSectioneefe8df76923db0090c4?bookmarkGuid=5d3a7781-f4f3-46f3-9449-23b5a195812d&amp;bookmarkUsage=1&amp;ctid=89133879-9218-4fa8-a433-2d0594009529&amp;fromEntryPoint=export&quot;"/>
+    <we:property name="reportEmbeddedTime" value="&quot;2024-02-29T17:14:39.884Z&quot;"/>
     <we:property name="reportName" value="&quot;federal_employee_interactive_dashboard&quot;"/>
     <we:property name="reportState" value="&quot;CONNECTED&quot;"/>
-    <we:property name="embedUrl" value="&quot;/reportEmbed?reportId=241a588d-b859-4109-bc61-454e6df312e3&amp;config=eyJjbHVzdGVyVXJsIjoiaHR0cHM6Ly9XQUJJLVVTLUVBU1QtQS1QUklNQVJZLXJlZGlyZWN0LmFuYWx5c2lzLndpbmRvd3MubmV0IiwiZW1iZWRGZWF0dXJlcyI6eyJ1c2FnZU1ldHJpY3NWTmV4dCI6dHJ1ZSwiZGlzYWJsZUFuZ3VsYXJKU0Jvb3RzdHJhcFJlcG9ydEVtYmVkIjp0cnVlfX0%3D&amp;disableSensitivityBanner=true&amp;lrtl=true&quot;"/>
-    <we:property name="pageName" value="&quot;ReportSectioneefe8df76923db0090c4&quot;"/>
-    <we:property name="pageDisplayName" value="&quot;Comparison Dashboard - Slide 2&quot;"/>
-    <we:property name="datasetId" value="&quot;b44af8c5-b9e7-4597-b42e-15423f8a5b59&quot;"/>
-    <we:property name="backgroundColor" value="&quot;#FFFFFF&quot;"/>
-    <we:property name="bookmark" value="&quot;H4sIAAAAAAAAA+1bW2/byBX+K4Yeui3gFnO/5C3xOkCLbDeIF8lDERhnZg5lrilRICknWkP/vYek3Fq2JCtObTOuAQEih8Mz5/vmXObGy1HK61kBi3/CBEevRm/K8nwC1fkBHx2OputlSnLLAKxQFpjXljGtqVY5a/JyWo9eXY4aqMbYfMzrORStQCr81+fDERTFexi3dxkUNR6OZljV5RSK/A/sK9Ojpprj8nCEX2dFWUEr8qSBBluxF1Sd7kkV/jdJLUJs8gs8wdj0pR9wVlbN6h4xQ5cya7yQKTDmWVT0Tt0/7dS8uz5VyvKioXbby7A4/jqrCMvlFSVvu4dSxsijdd4BY8o7l0RLW7OYtXWOSPtxWeURilGHq8K6h3E5OiqL+aS7Ol4rPynnVcQPmHWPpk3eLEhSPa8ucNFAKHC0JI7eVyUx2D16PcZpXJx2vdc+Oiu/HFVILafRK778TCUXHcFH5bSBfLoCZCXpKxOTwdNftNpJti9mpVTizEaP1lmL3nO7DXMvrpX28aoHxeHobVVOOrkrk6up5kaoh6PfOqlsSTb06Qwr7F4jKClvVoT9/QaJ9arKHvT2N50CN0hNmJ82OWm+bFv+CMW8s2QS/C4nQISthdQWU+WffikTlTX4U1d9S6WTpiqn451VPiGcdxU+L5ddzz2QyVxDt24vbHl4edWRr9MFTCOV3lTj9Xhc4Riu+D9+BB3fzqcrT9e3TXwflau8OZtgk8f27h1mzTCAfMjHZ50qJ5Hqp+OL3iCOB8Z3p10byNubX2etrZfk1PKpzWeCKYfpKal+Ew39R6R4N8YbeNhtnVtHq/PpuFhloi7fdFd98BnFYl6Ts2LqtTs6g6pps174nfJHGypJQFlRCHiz6GLPz3l1lZgo2B2/WOJjWGIbp/tRAYn6/VqqXyWkxf5p4RuVbIM1tc0MM9ZpqQCYNQaN2pFQH9FJTs4QG35T/18v2uxTHHygNqbjg99u873Bu+/2FKjSume0QqRUMaHwUhtlgw9KONO+ulNUg1+bUH69Lc2RlGBZQG204J45BeL+0hKHLEmjUwLulLKkYBxwt/0CU4ppEwptD9tlnuiVxjHNGONGJG1tuj/JIigExSPzVpmkDHfMDJjko3nRzCt8WIZDppnJuLQKjHNEccRwf4a5FFYER6HHMfpZI/v+GijD72Fx8KeDNzjFLG/qBzZlj0pmwurEEBG8YnzH7O7JqflHGQ5oXjqncULL0UqRh/d4i9KZEJTiTAhB/hrgO+wxyyLDkJJgiVkmvA0BB0z6o3i8jiYAIOUaZEmjMyx9R0y1DJWjAO29Z5GzIHz0d0qrz2CGG1zEZQIzEiXQgAxRRyu299baYoDzmeZegTaAUVG6UHrrAsiPuhgwWZx+KavzUzJKrHIkE33GawPbwQ52qWCXyj/yysE34BrQ9O0btB74usJtJC/LDC9mO6BFiB2JqZ8VMK8wZlZxxZhwOtDka8+8LoyWmUGuuEsWYrKc5uzPNK/Pp3nzf5DRr8McfC5fV/Y5ZPGdiAYYCHfq+4Nk7hbDS85+MdKB5Om1RNNlaBW4tN4x4X2SFoNzYRi7BrvR1HO6IUcoq/1j9PrwgmdSGq/AAxrULHJ4dmcIWp6oL+oMOl6e9whjE9IhDzI26/uDjzP2AjWsKL6XysMfbVyH8TLgeLHWoQw7Niag1ca3sDZYSy7CtfM+SuZawffcf0w+gUEhrUkyqhQY3r3Fv3U3ghujNSllA/CUjO6PJt5HljYyAx0dymSEYjZ5VPeVZYx0KomUZLI+cmWSvnvHZStjmlvMMhtpFBRRcslwj/3fLZrZqBNXEBVYmxxwFeHee0EAJgtK+QiceJcxANzN/naUlikbDXNoJHjJhEvfIc2blFntGFPBGs8FszikXcWDP4u/POU5G54pn1ALEEEKho4rNaRDAJvoeazzLNwEJaXnDL12McTEnBs4NY+yJ22UijJ4aUAbp4HmnzB0Xh7z7Ihhpj3Yz6Rsj0N5rj3bsTE+CHqe6vyIthR+lItMGMV0Eszg0IPPp7I6/+u7PMODN1C0ejwsQ5B1OTDRMElFtDqAutuY/nefkGw++bLr65E9kNZFHomy61hpVlSNu7RMovslCYIz65vMsf4v5PWrvRd3VkCebF1nnbI9lnN+xhnN0joXLLOD12PqzT62X1ub6ScHCRrYQNekTB2h2BnHlkbojVR+mbYye2E1FldTv1sS64aUaE66rj3p6t0hv/tsayW6M+ZN05j/EPEQttlPW4QLIMl7QGndni0TEO89oOwEbjLcct7UM4j4Hqa4gTyiCaapD2/7UNZ9gZW3E7Rv4Xi5/DexFycqmjcAAA==&quot;"/>
-    <we:property name="initialStateBookmark" value="&quot;H4sIAAAAAAAAA+1bWW/bSBL+K4IednYBb9D3kTfHcYDZSSaBPZs8DAKjj6LMMU0KJOVEa+i/bzUpz1i2LCvO2ma8BgSIbDar6/u6jr54Po55My3c/Fd3CuOX41dVdXLq6pMRHe+My2XZ+/e/vNs9+OXo1913+1hcTdu8Kpvxy/Nx6+oJtB/zZuaKJAELf/+8M3ZF8cFN0l3migZ2xlOom6p0Rf4f6Cvjo7aewWJnDF+nRVW7JPKwdS0ksWdYHe+xbfqCY4sutPkZHEJo+9IDmFZ1u7wHyMDETCvLePSEWBIEvtP0Tzs1b6+PlbK8aLHddOnn+1+nNWI5v+DgTfeQ8xBo0MYaR4iwxkSWeGrn01RnD7WfVHUeXDHucNXQ9DDOx3tVMTvtrvZXyg+rWR3gALLuUdnm7RwlNbP6DOat8wWMF8jRh7pCBrtHuxMow/yo66706Lj6slcDthzHL+niM5acdQTvVWXr8nIJSHPUl0fCvcW/oKXhZFvMQohIiQ4WtNEarKX6Jsy9uCTt40UPsp3xm7o67eQubazBmmuh7ox/66SSBdrQp2OooXsNocS8XRL28xUSm2WVLejtbzoFrpAaIT9qc9R8kVr+6IpZZ8ko+G2OgBBbgpSKsfJP76qIZS381FW/odJhW1flZGOVT+BOugqfF4uu5+7JZC6hW7UXstg5v+jI3XjmyoClV9XYnUxqmLgL/vcfQMc3s3Lp6fK6iW+jcp23x6fQ5iHdvYWsHQaQg3xy3KlyGLB+3D/rDWJ/YHx32qVAnm7eT5OtV+jU/LHN5xRi7sojVP0qGvwPgPFuAlfwkOs6J0dr8nJSLDNRl2+6qz74jEMxa9BZIfba7R27uk1Zz/+B+SOFShRQ1RgCXs272PM6ry8SEwa7/WdLfAhLTHG6HxWgqD8upfplQppvnxa+UckUrLFtoojSRnLhHNFKgRIbEuoDOsnhMUBLr+r//ixln2J0gG2Uk9Fv1/le4923e4qr46pnJCGcixCBWS6V0N56wYxKr24U1cLX1ldfr0szKMVr4kEqyaglRjh2d2mRuixyJWN01AihUcEw4G5750qMaacY2u63yyzSy5UhkhBCFYtS63h3kpkX4AQNxGqholDUEDVgkvdmRTur4X4Z9pkkKqNcC6eMQYoD+LszTDnTzBsMPYbgTyve99dAGf7g5qO/jV5BCVneNvdsyhYEz5iWkQCAs4LQDbO7R6fmX5Uf4bx0huOExNFSkfv3eA3cKO+FoIQxhv7q3XfYY5YFAj5GRiLRhFntPQyY9AfxeBmUdw4w1wCJEowi8TtiqiYgDAZoay0JlHhmg71VWnPsprDGRUzGIENRDJTjPsig2c29tbIYYGwmqRVOKgdBYLoQ8sYFkB91MeB0fvSlqk+O0CihzgFN9AmvDdwMdrBLBZtU/pFXDr4B14Cmb9+g9cDXFa4jeV5meDbbAS1CbEhM/ayAWAEh04IKQpiRHidfW+Z1piTPFFBBTdQuRE1xzv5E8/qszNv/g4x+Gebgc/mqsk8hi29ENMBAuFHfHyRzJwzPOfvZSAeSp1cSTZehhadcW0OYtZFr8Mb4YewabEbTzPAGHaGqt4/Rq8MLmnGurHDWgQJJAnVP7gxB4gn7oslcx8vTHmGsQzrkQcZ6fX/wccZWoIYVxbdSefijjcswngccz9Y6lGHH2gS03PhmWnut0UWoNNYGTkwSfMf9x2ijU8C4VpEHET2B27f4b9yNoEpJiUpp72iMSvZHE+8iSyqeORkM8KiYIDpaEHeVpRQ3IrIYedQ2UKGivH3H5UbGJNWQZTrgKCgAp5zAFvu/N2img4xUuCCc1tE4KoK7816QcyrzQtjgKPLOg3fudvZvRqmJ0EERA4o7ywkz8TukWRUzLQ0hwmtlKSMahrSrOPo7+8djnrOhmbARJHPMc0bAUCGGdAhgHT0PdZ6FKi84t5SAlSb4EIkxA6fmQfaklRCBe8uVk8pIh/NPN3ReHvLsiCIqHewnnKfjUJZKSzZsjA+Cnsc6PyI1hh9hAmFKEBkZUTD04POpqk/++TbPYPTKFUmP+2XIZV0OjDhMEgG09E7cbkz/u09I1p982fT1yBZImyIPSNllrDgrqiddWkbR/ZIEwpn2TebQ/AV59WrrxZ0lkEdb11mlbIvlnH+/OHwx6t8aZVU9+rnEOmVn3K4YvYYzKKpp8tBLazX9ZCG61q2h77SKHcHQGcv6Rl/jG7H6UiaZvbAGioup4DWJTYsm1h52XX3Y1btFfvcZ11J0Z9zrpjV/EnMfttpPY5jxjqM3OSFlOmvGXLjzALMTuM6Qq1nbTF2AD66ENeQhTa6MfbjbhrLui6w8Tdg2v5C+h/uT4sXivy0O8xmaNwAA&quot;"/>
-    <we:property name="isFooterCollapsed" value="true"/>
-    <we:property name="isFiltersActionButtonVisible" value="true"/>
-    <we:property name="isVisualContainerHeaderHidden" value="false"/>
-    <we:property name="reportEmbeddedTime" value="&quot;2024-02-29T17:14:39.884Z&quot;"/>
-    <we:property name="creatorTenantId" value="&quot;89133879-9218-4fa8-a433-2d0594009529&quot;"/>
-    <we:property name="creatorUserId" value="&quot;1003BFFD934BE0AF&quot;"/>
-    <we:property name="creatorSessionId" value="&quot;3d7db658-111f-4fdf-82bc-d399db0a5fbc&quot;"/>
+    <we:property name="reportUrl" value="&quot;/groups/me/reports/241a588d-b859-4109-bc61-454e6df312e3/ReportSectioneefe8df76923db0090c4?bookmarkGuid=5d3a7781-f4f3-46f3-9449-23b5a195812d&amp;bookmarkUsage=1&amp;ctid=89133879-9218-4fa8-a433-2d0594009529&amp;fromEntryPoint=export&quot;"/>
   </we:properties>
   <we:bindings/>
   <we:snapshot xmlns:r="http://schemas.openxmlformats.org/officeDocument/2006/relationships" r:embed="rId1"/>
